--- a/Почтовые+Розница.pptx
+++ b/Почтовые+Розница.pptx
@@ -5,23 +5,24 @@
     <p:sldMasterId id="2147483660" r:id="rId1"/>
   </p:sldMasterIdLst>
   <p:notesMasterIdLst>
-    <p:notesMasterId r:id="rId16"/>
+    <p:notesMasterId r:id="rId17"/>
   </p:notesMasterIdLst>
   <p:sldIdLst>
     <p:sldId id="324" r:id="rId2"/>
     <p:sldId id="326" r:id="rId3"/>
     <p:sldId id="327" r:id="rId4"/>
     <p:sldId id="328" r:id="rId5"/>
-    <p:sldId id="325" r:id="rId6"/>
-    <p:sldId id="329" r:id="rId7"/>
-    <p:sldId id="333" r:id="rId8"/>
-    <p:sldId id="330" r:id="rId9"/>
-    <p:sldId id="331" r:id="rId10"/>
-    <p:sldId id="332" r:id="rId11"/>
-    <p:sldId id="335" r:id="rId12"/>
-    <p:sldId id="336" r:id="rId13"/>
-    <p:sldId id="337" r:id="rId14"/>
-    <p:sldId id="338" r:id="rId15"/>
+    <p:sldId id="339" r:id="rId6"/>
+    <p:sldId id="325" r:id="rId7"/>
+    <p:sldId id="329" r:id="rId8"/>
+    <p:sldId id="333" r:id="rId9"/>
+    <p:sldId id="330" r:id="rId10"/>
+    <p:sldId id="331" r:id="rId11"/>
+    <p:sldId id="332" r:id="rId12"/>
+    <p:sldId id="335" r:id="rId13"/>
+    <p:sldId id="336" r:id="rId14"/>
+    <p:sldId id="337" r:id="rId15"/>
+    <p:sldId id="338" r:id="rId16"/>
   </p:sldIdLst>
   <p:sldSz cx="12192000" cy="6858000"/>
   <p:notesSz cx="6799263" cy="9875838"/>
@@ -4924,6 +4925,245 @@
           <a:p>
             <a:r>
               <a:rPr lang="ru-RU" dirty="0" smtClean="0"/>
+              <a:t>Количество аналитиков</a:t>
+            </a:r>
+            <a:endParaRPr lang="uk-UA" dirty="0"/>
+          </a:p>
+        </p:txBody>
+      </p:sp>
+      <mc:AlternateContent xmlns:mc="http://schemas.openxmlformats.org/markup-compatibility/2006" xmlns:a14="http://schemas.microsoft.com/office/drawing/2010/main">
+        <mc:Choice Requires="a14">
+          <p:sp>
+            <p:nvSpPr>
+              <p:cNvPr id="3" name="Объект 2"/>
+              <p:cNvSpPr>
+                <a:spLocks noGrp="1"/>
+              </p:cNvSpPr>
+              <p:nvPr>
+                <p:ph idx="1"/>
+              </p:nvPr>
+            </p:nvSpPr>
+            <p:spPr/>
+            <p:txBody>
+              <a:bodyPr/>
+              <a:lstStyle/>
+              <a:p>
+                <a:r>
+                  <a:rPr lang="ru-RU" dirty="0" smtClean="0"/>
+                  <a:t>Ключевые 41</a:t>
+                </a:r>
+              </a:p>
+              <a:p>
+                <a:r>
+                  <a:rPr lang="ru-RU" dirty="0" smtClean="0"/>
+                  <a:t>Обычные 126</a:t>
+                </a:r>
+              </a:p>
+              <a:p>
+                <a:r>
+                  <a:rPr lang="ru-RU" dirty="0" smtClean="0"/>
+                  <a:t>Количество аналитиков= 41/15=2,73</a:t>
+                </a:r>
+                <a:br>
+                  <a:rPr lang="ru-RU" dirty="0" smtClean="0"/>
+                </a:br>
+                <a:r>
+                  <a:rPr lang="ru-RU" dirty="0" smtClean="0"/>
+                  <a:t/>
+                </a:r>
+                <a:br>
+                  <a:rPr lang="ru-RU" dirty="0" smtClean="0"/>
+                </a:br>
+                <a14:m>
+                  <m:oMath xmlns:m="http://schemas.openxmlformats.org/officeDocument/2006/math">
+                    <m:f>
+                      <m:fPr>
+                        <m:ctrlPr>
+                          <a:rPr lang="ru-RU" i="1" smtClean="0">
+                            <a:solidFill>
+                              <a:srgbClr val="7399C6"/>
+                            </a:solidFill>
+                            <a:latin typeface="Cambria Math" panose="02040503050406030204" pitchFamily="18" charset="0"/>
+                          </a:rPr>
+                        </m:ctrlPr>
+                      </m:fPr>
+                      <m:num>
+                        <m:r>
+                          <a:rPr lang="ru-RU" i="1">
+                            <a:solidFill>
+                              <a:srgbClr val="7399C6"/>
+                            </a:solidFill>
+                            <a:latin typeface="Cambria Math" panose="02040503050406030204" pitchFamily="18" charset="0"/>
+                          </a:rPr>
+                          <m:t>∑</m:t>
+                        </m:r>
+                        <m:r>
+                          <a:rPr lang="uk-UA" b="0" i="1" smtClean="0">
+                            <a:solidFill>
+                              <a:srgbClr val="7399C6"/>
+                            </a:solidFill>
+                            <a:latin typeface="Cambria Math" panose="02040503050406030204" pitchFamily="18" charset="0"/>
+                          </a:rPr>
+                          <m:t>пользователей</m:t>
+                        </m:r>
+                        <m:r>
+                          <a:rPr lang="ru-RU" i="1">
+                            <a:solidFill>
+                              <a:srgbClr val="7399C6"/>
+                            </a:solidFill>
+                            <a:latin typeface="Cambria Math" panose="02040503050406030204" pitchFamily="18" charset="0"/>
+                          </a:rPr>
+                          <m:t> </m:t>
+                        </m:r>
+                        <m:r>
+                          <a:rPr lang="ru-RU" b="0" i="1" smtClean="0">
+                            <a:solidFill>
+                              <a:srgbClr val="7399C6"/>
+                            </a:solidFill>
+                            <a:latin typeface="Cambria Math" panose="02040503050406030204" pitchFamily="18" charset="0"/>
+                          </a:rPr>
+                          <m:t>167</m:t>
+                        </m:r>
+                      </m:num>
+                      <m:den>
+                        <m:r>
+                          <a:rPr lang="ru-RU" i="1">
+                            <a:solidFill>
+                              <a:srgbClr val="7399C6"/>
+                            </a:solidFill>
+                            <a:latin typeface="Cambria Math" panose="02040503050406030204" pitchFamily="18" charset="0"/>
+                          </a:rPr>
+                          <m:t>Аналитиков </m:t>
+                        </m:r>
+                        <m:r>
+                          <a:rPr lang="ru-RU" b="0" i="1" smtClean="0">
+                            <a:solidFill>
+                              <a:srgbClr val="7399C6"/>
+                            </a:solidFill>
+                            <a:latin typeface="Cambria Math" panose="02040503050406030204" pitchFamily="18" charset="0"/>
+                          </a:rPr>
+                          <m:t>2,73</m:t>
+                        </m:r>
+                      </m:den>
+                    </m:f>
+                    <m:r>
+                      <a:rPr lang="ru-RU" i="1">
+                        <a:solidFill>
+                          <a:srgbClr val="7399C6"/>
+                        </a:solidFill>
+                        <a:latin typeface="Cambria Math" panose="02040503050406030204" pitchFamily="18" charset="0"/>
+                        <a:ea typeface="Cambria Math" panose="02040503050406030204" pitchFamily="18" charset="0"/>
+                      </a:rPr>
+                      <m:t>=</m:t>
+                    </m:r>
+                    <m:r>
+                      <a:rPr lang="ru-RU" b="0" i="1" smtClean="0">
+                        <a:solidFill>
+                          <a:srgbClr val="7399C6"/>
+                        </a:solidFill>
+                        <a:latin typeface="Cambria Math" panose="02040503050406030204" pitchFamily="18" charset="0"/>
+                        <a:ea typeface="Cambria Math" panose="02040503050406030204" pitchFamily="18" charset="0"/>
+                      </a:rPr>
+                      <m:t>61,17</m:t>
+                    </m:r>
+                  </m:oMath>
+                </a14:m>
+                <a:endParaRPr lang="uk-UA" dirty="0"/>
+              </a:p>
+              <a:p>
+                <a:endParaRPr lang="uk-UA" dirty="0"/>
+              </a:p>
+            </p:txBody>
+          </p:sp>
+        </mc:Choice>
+        <mc:Fallback xmlns="">
+          <p:sp>
+            <p:nvSpPr>
+              <p:cNvPr id="3" name="Объект 2"/>
+              <p:cNvSpPr>
+                <a:spLocks noGrp="1" noRot="1" noChangeAspect="1" noMove="1" noResize="1" noEditPoints="1" noAdjustHandles="1" noChangeArrowheads="1" noChangeShapeType="1" noTextEdit="1"/>
+              </p:cNvSpPr>
+              <p:nvPr>
+                <p:ph idx="1"/>
+              </p:nvPr>
+            </p:nvSpPr>
+            <p:spPr>
+              <a:blipFill>
+                <a:blip r:embed="rId2"/>
+                <a:stretch>
+                  <a:fillRect l="-1278" t="-1752"/>
+                </a:stretch>
+              </a:blipFill>
+            </p:spPr>
+            <p:txBody>
+              <a:bodyPr/>
+              <a:lstStyle/>
+              <a:p>
+                <a:r>
+                  <a:rPr lang="uk-UA">
+                    <a:noFill/>
+                  </a:rPr>
+                  <a:t> </a:t>
+                </a:r>
+              </a:p>
+            </p:txBody>
+          </p:sp>
+        </mc:Fallback>
+      </mc:AlternateContent>
+    </p:spTree>
+    <p:extLst>
+      <p:ext uri="{BB962C8B-B14F-4D97-AF65-F5344CB8AC3E}">
+        <p14:creationId xmlns:p14="http://schemas.microsoft.com/office/powerpoint/2010/main" val="2481096286"/>
+      </p:ext>
+    </p:extLst>
+  </p:cSld>
+  <p:clrMapOvr>
+    <a:masterClrMapping/>
+  </p:clrMapOvr>
+  <p:timing>
+    <p:tnLst>
+      <p:par>
+        <p:cTn id="1" dur="indefinite" restart="never" nodeType="tmRoot"/>
+      </p:par>
+    </p:tnLst>
+  </p:timing>
+</p:sld>
+</file>
+
+<file path=ppt/slides/slide11.xml><?xml version="1.0" encoding="utf-8"?>
+<p:sld xmlns:a="http://schemas.openxmlformats.org/drawingml/2006/main" xmlns:r="http://schemas.openxmlformats.org/officeDocument/2006/relationships" xmlns:p="http://schemas.openxmlformats.org/presentationml/2006/main">
+  <p:cSld>
+    <p:spTree>
+      <p:nvGrpSpPr>
+        <p:cNvPr id="1" name=""/>
+        <p:cNvGrpSpPr/>
+        <p:nvPr/>
+      </p:nvGrpSpPr>
+      <p:grpSpPr>
+        <a:xfrm>
+          <a:off x="0" y="0"/>
+          <a:ext cx="0" cy="0"/>
+          <a:chOff x="0" y="0"/>
+          <a:chExt cx="0" cy="0"/>
+        </a:xfrm>
+      </p:grpSpPr>
+      <p:sp>
+        <p:nvSpPr>
+          <p:cNvPr id="2" name="Заголовок 1"/>
+          <p:cNvSpPr>
+            <a:spLocks noGrp="1"/>
+          </p:cNvSpPr>
+          <p:nvPr>
+            <p:ph type="title"/>
+          </p:nvPr>
+        </p:nvSpPr>
+        <p:spPr/>
+        <p:txBody>
+          <a:bodyPr/>
+          <a:lstStyle/>
+          <a:p>
+            <a:r>
+              <a:rPr lang="ru-RU" dirty="0" smtClean="0"/>
               <a:t>Управление обеспечения продаж</a:t>
             </a:r>
             <a:endParaRPr lang="uk-UA" dirty="0"/>
@@ -4987,7 +5227,7 @@
 </p:sld>
 </file>
 
-<file path=ppt/slides/slide11.xml><?xml version="1.0" encoding="utf-8"?>
+<file path=ppt/slides/slide12.xml><?xml version="1.0" encoding="utf-8"?>
 <p:sld xmlns:a="http://schemas.openxmlformats.org/drawingml/2006/main" xmlns:r="http://schemas.openxmlformats.org/officeDocument/2006/relationships" xmlns:p="http://schemas.openxmlformats.org/presentationml/2006/main">
   <p:cSld>
     <p:spTree>
@@ -5427,7 +5667,7 @@
 </p:sld>
 </file>
 
-<file path=ppt/slides/slide12.xml><?xml version="1.0" encoding="utf-8"?>
+<file path=ppt/slides/slide13.xml><?xml version="1.0" encoding="utf-8"?>
 <p:sld xmlns:a="http://schemas.openxmlformats.org/drawingml/2006/main" xmlns:r="http://schemas.openxmlformats.org/officeDocument/2006/relationships" xmlns:p="http://schemas.openxmlformats.org/presentationml/2006/main">
   <p:cSld>
     <p:spTree>
@@ -5467,8 +5707,8 @@
           </a:p>
         </p:txBody>
       </p:sp>
-      <mc:AlternateContent xmlns:mc="http://schemas.openxmlformats.org/markup-compatibility/2006">
-        <mc:Choice xmlns:a14="http://schemas.microsoft.com/office/drawing/2010/main" Requires="a14">
+      <mc:AlternateContent xmlns:mc="http://schemas.openxmlformats.org/markup-compatibility/2006" xmlns:a14="http://schemas.microsoft.com/office/drawing/2010/main">
+        <mc:Choice Requires="a14">
           <p:sp>
             <p:nvSpPr>
               <p:cNvPr id="3" name="Объект 2"/>
@@ -5603,7 +5843,7 @@
             </p:txBody>
           </p:sp>
         </mc:Choice>
-        <mc:Fallback>
+        <mc:Fallback xmlns="">
           <p:sp>
             <p:nvSpPr>
               <p:cNvPr id="3" name="Объект 2"/>
@@ -5657,7 +5897,7 @@
 </p:sld>
 </file>
 
-<file path=ppt/slides/slide13.xml><?xml version="1.0" encoding="utf-8"?>
+<file path=ppt/slides/slide14.xml><?xml version="1.0" encoding="utf-8"?>
 <p:sld xmlns:a="http://schemas.openxmlformats.org/drawingml/2006/main" xmlns:r="http://schemas.openxmlformats.org/officeDocument/2006/relationships" xmlns:p="http://schemas.openxmlformats.org/presentationml/2006/main">
   <p:cSld>
     <p:spTree>
@@ -6099,7 +6339,7 @@
 </p:sld>
 </file>
 
-<file path=ppt/slides/slide14.xml><?xml version="1.0" encoding="utf-8"?>
+<file path=ppt/slides/slide15.xml><?xml version="1.0" encoding="utf-8"?>
 <p:sld xmlns:a="http://schemas.openxmlformats.org/drawingml/2006/main" xmlns:r="http://schemas.openxmlformats.org/officeDocument/2006/relationships" xmlns:p="http://schemas.openxmlformats.org/presentationml/2006/main">
   <p:cSld>
     <p:spTree>
@@ -6156,7 +6396,9 @@
           </a:xfrm>
         </p:spPr>
         <p:txBody>
-          <a:bodyPr/>
+          <a:bodyPr>
+            <a:normAutofit fontScale="92500" lnSpcReduction="20000"/>
+          </a:bodyPr>
           <a:lstStyle/>
           <a:p>
             <a:r>
@@ -6173,7 +6415,7 @@
             </a:r>
             <a:r>
               <a:rPr lang="ru-RU" dirty="0" smtClean="0"/>
-              <a:t>инциденты и обращение по АС </a:t>
+              <a:t>инциденты и обращение по АС «</a:t>
             </a:r>
             <a:r>
               <a:rPr lang="ru-RU" dirty="0" err="1" smtClean="0"/>
@@ -6185,7 +6427,7 @@
             </a:r>
             <a:r>
               <a:rPr lang="uk-UA" dirty="0" smtClean="0"/>
-              <a:t>: </a:t>
+              <a:t>»: </a:t>
             </a:r>
             <a:br>
               <a:rPr lang="uk-UA" dirty="0" smtClean="0"/>
@@ -6196,7 +6438,11 @@
             </a:r>
             <a:r>
               <a:rPr lang="ru-RU" dirty="0" smtClean="0"/>
-              <a:t>ы обращений/локация пользователя;</a:t>
+              <a:t>ы обращений/локация </a:t>
+            </a:r>
+            <a:r>
+              <a:rPr lang="ru-RU" dirty="0" smtClean="0"/>
+              <a:t>пользователя(по ним выбрать ключевых);</a:t>
             </a:r>
             <a:r>
               <a:rPr lang="uk-UA" dirty="0" smtClean="0"/>
@@ -6218,7 +6464,15 @@
             </a:br>
             <a:r>
               <a:rPr lang="ru-RU" dirty="0" smtClean="0"/>
-              <a:t>    -   Сколько сотрудников на первой линии по АС </a:t>
+              <a:t>    -  </a:t>
+            </a:r>
+            <a:r>
+              <a:rPr lang="ru-RU" dirty="0" smtClean="0"/>
+              <a:t>Сколько </a:t>
+            </a:r>
+            <a:r>
+              <a:rPr lang="ru-RU" dirty="0" smtClean="0"/>
+              <a:t>сотрудников на первой линии по АС «</a:t>
             </a:r>
             <a:r>
               <a:rPr lang="ru-RU" dirty="0" err="1" smtClean="0"/>
@@ -6230,7 +6484,48 @@
             </a:r>
             <a:r>
               <a:rPr lang="uk-UA" dirty="0" smtClean="0"/>
+              <a:t>»;</a:t>
+            </a:r>
+            <a:br>
+              <a:rPr lang="uk-UA" dirty="0" smtClean="0"/>
+            </a:br>
+            <a:r>
+              <a:rPr lang="uk-UA" dirty="0" smtClean="0"/>
+              <a:t>    -  </a:t>
+            </a:r>
+            <a:r>
+              <a:rPr lang="ru-RU" dirty="0" smtClean="0"/>
+              <a:t>Как проходит эскалация инцидента;</a:t>
+            </a:r>
+          </a:p>
+          <a:p>
+            <a:r>
+              <a:rPr lang="uk-UA" dirty="0" err="1" smtClean="0"/>
+              <a:t>Какие</a:t>
+            </a:r>
+            <a:r>
+              <a:rPr lang="uk-UA" dirty="0" smtClean="0"/>
+              <a:t> </a:t>
+            </a:r>
+            <a:r>
+              <a:rPr lang="en-US" dirty="0" smtClean="0"/>
+              <a:t>SLA</a:t>
+            </a:r>
+            <a:r>
+              <a:rPr lang="ru-RU" dirty="0" smtClean="0"/>
+              <a:t> ожидаемые </a:t>
+            </a:r>
+            <a:r>
+              <a:rPr lang="ru-RU" dirty="0" err="1" smtClean="0"/>
+              <a:t>вендором</a:t>
+            </a:r>
+            <a:r>
+              <a:rPr lang="ru-RU" dirty="0"/>
               <a:t>;</a:t>
+            </a:r>
+            <a:r>
+              <a:rPr lang="uk-UA" dirty="0" smtClean="0"/>
+              <a:t/>
             </a:r>
             <a:br>
               <a:rPr lang="uk-UA" dirty="0" smtClean="0"/>
@@ -6253,6 +6548,13 @@
   <p:clrMapOvr>
     <a:masterClrMapping/>
   </p:clrMapOvr>
+  <p:timing>
+    <p:tnLst>
+      <p:par>
+        <p:cTn id="1" dur="indefinite" restart="never" nodeType="tmRoot"/>
+      </p:par>
+    </p:tnLst>
+  </p:timing>
 </p:sld>
 </file>
 
@@ -8506,19 +8808,110 @@
         </p:nvSpPr>
         <p:spPr/>
         <p:txBody>
-          <a:bodyPr/>
+          <a:bodyPr>
+            <a:normAutofit fontScale="90000"/>
+          </a:bodyPr>
           <a:lstStyle/>
           <a:p>
             <a:r>
               <a:rPr lang="ru-RU" dirty="0" smtClean="0"/>
-              <a:t>Количество аналитиков</a:t>
+              <a:t>Пример территориального размещения дирекции</a:t>
             </a:r>
             <a:endParaRPr lang="uk-UA" dirty="0"/>
           </a:p>
         </p:txBody>
       </p:sp>
-      <mc:AlternateContent xmlns:mc="http://schemas.openxmlformats.org/markup-compatibility/2006">
-        <mc:Choice xmlns:a14="http://schemas.microsoft.com/office/drawing/2010/main" Requires="a14">
+      <p:pic>
+        <p:nvPicPr>
+          <p:cNvPr id="4" name="Объект 3"/>
+          <p:cNvPicPr>
+            <a:picLocks noGrp="1" noChangeAspect="1"/>
+          </p:cNvPicPr>
+          <p:nvPr>
+            <p:ph idx="1"/>
+          </p:nvPr>
+        </p:nvPicPr>
+        <p:blipFill>
+          <a:blip r:embed="rId2">
+            <a:extLst>
+              <a:ext uri="{28A0092B-C50C-407E-A947-70E740481C1C}">
+                <a14:useLocalDpi xmlns:a14="http://schemas.microsoft.com/office/drawing/2010/main" val="0"/>
+              </a:ext>
+            </a:extLst>
+          </a:blip>
+          <a:stretch>
+            <a:fillRect/>
+          </a:stretch>
+        </p:blipFill>
+        <p:spPr>
+          <a:xfrm>
+            <a:off x="759881" y="2148442"/>
+            <a:ext cx="10822519" cy="4632708"/>
+          </a:xfrm>
+        </p:spPr>
+      </p:pic>
+    </p:spTree>
+    <p:extLst>
+      <p:ext uri="{BB962C8B-B14F-4D97-AF65-F5344CB8AC3E}">
+        <p14:creationId xmlns:p14="http://schemas.microsoft.com/office/powerpoint/2010/main" val="3990076145"/>
+      </p:ext>
+    </p:extLst>
+  </p:cSld>
+  <p:clrMapOvr>
+    <a:masterClrMapping/>
+  </p:clrMapOvr>
+  <p:timing>
+    <p:tnLst>
+      <p:par>
+        <p:cTn id="1" dur="indefinite" restart="never" nodeType="tmRoot"/>
+      </p:par>
+    </p:tnLst>
+  </p:timing>
+</p:sld>
+</file>
+
+<file path=ppt/slides/slide6.xml><?xml version="1.0" encoding="utf-8"?>
+<p:sld xmlns:a="http://schemas.openxmlformats.org/drawingml/2006/main" xmlns:r="http://schemas.openxmlformats.org/officeDocument/2006/relationships" xmlns:p="http://schemas.openxmlformats.org/presentationml/2006/main">
+  <p:cSld>
+    <p:spTree>
+      <p:nvGrpSpPr>
+        <p:cNvPr id="1" name=""/>
+        <p:cNvGrpSpPr/>
+        <p:nvPr/>
+      </p:nvGrpSpPr>
+      <p:grpSpPr>
+        <a:xfrm>
+          <a:off x="0" y="0"/>
+          <a:ext cx="0" cy="0"/>
+          <a:chOff x="0" y="0"/>
+          <a:chExt cx="0" cy="0"/>
+        </a:xfrm>
+      </p:grpSpPr>
+      <p:sp>
+        <p:nvSpPr>
+          <p:cNvPr id="2" name="Заголовок 1"/>
+          <p:cNvSpPr>
+            <a:spLocks noGrp="1"/>
+          </p:cNvSpPr>
+          <p:nvPr>
+            <p:ph type="title"/>
+          </p:nvPr>
+        </p:nvSpPr>
+        <p:spPr/>
+        <p:txBody>
+          <a:bodyPr/>
+          <a:lstStyle/>
+          <a:p>
+            <a:r>
+              <a:rPr lang="ru-RU" dirty="0" smtClean="0"/>
+              <a:t>Количество аналитиков</a:t>
+            </a:r>
+            <a:endParaRPr lang="uk-UA" dirty="0"/>
+          </a:p>
+        </p:txBody>
+      </p:sp>
+      <mc:AlternateContent xmlns:mc="http://schemas.openxmlformats.org/markup-compatibility/2006" xmlns:a14="http://schemas.microsoft.com/office/drawing/2010/main">
+        <mc:Choice Requires="a14">
           <p:sp>
             <p:nvSpPr>
               <p:cNvPr id="3" name="Объект 2"/>
@@ -8667,7 +9060,7 @@
             </p:txBody>
           </p:sp>
         </mc:Choice>
-        <mc:Fallback>
+        <mc:Fallback xmlns="">
           <p:sp>
             <p:nvSpPr>
               <p:cNvPr id="3" name="Объект 2"/>
@@ -8721,101 +9114,6 @@
 </p:sld>
 </file>
 
-<file path=ppt/slides/slide6.xml><?xml version="1.0" encoding="utf-8"?>
-<p:sld xmlns:a="http://schemas.openxmlformats.org/drawingml/2006/main" xmlns:r="http://schemas.openxmlformats.org/officeDocument/2006/relationships" xmlns:p="http://schemas.openxmlformats.org/presentationml/2006/main">
-  <p:cSld>
-    <p:spTree>
-      <p:nvGrpSpPr>
-        <p:cNvPr id="1" name=""/>
-        <p:cNvGrpSpPr/>
-        <p:nvPr/>
-      </p:nvGrpSpPr>
-      <p:grpSpPr>
-        <a:xfrm>
-          <a:off x="0" y="0"/>
-          <a:ext cx="0" cy="0"/>
-          <a:chOff x="0" y="0"/>
-          <a:chExt cx="0" cy="0"/>
-        </a:xfrm>
-      </p:grpSpPr>
-      <p:sp>
-        <p:nvSpPr>
-          <p:cNvPr id="2" name="Заголовок 1"/>
-          <p:cNvSpPr>
-            <a:spLocks noGrp="1"/>
-          </p:cNvSpPr>
-          <p:nvPr>
-            <p:ph type="title"/>
-          </p:nvPr>
-        </p:nvSpPr>
-        <p:spPr/>
-        <p:txBody>
-          <a:bodyPr/>
-          <a:lstStyle/>
-          <a:p>
-            <a:r>
-              <a:rPr lang="ru-RU" dirty="0" smtClean="0"/>
-              <a:t>ЦАУ Почтовые услуги</a:t>
-            </a:r>
-            <a:endParaRPr lang="uk-UA" dirty="0"/>
-          </a:p>
-        </p:txBody>
-      </p:sp>
-      <p:sp>
-        <p:nvSpPr>
-          <p:cNvPr id="3" name="Объект 2"/>
-          <p:cNvSpPr>
-            <a:spLocks noGrp="1"/>
-          </p:cNvSpPr>
-          <p:nvPr>
-            <p:ph idx="1"/>
-          </p:nvPr>
-        </p:nvSpPr>
-        <p:spPr/>
-        <p:txBody>
-          <a:bodyPr/>
-          <a:lstStyle/>
-          <a:p>
-            <a:r>
-              <a:rPr lang="ru-RU" dirty="0" smtClean="0"/>
-              <a:t>28 пользователей</a:t>
-            </a:r>
-          </a:p>
-          <a:p>
-            <a:r>
-              <a:rPr lang="ru-RU" dirty="0" smtClean="0"/>
-              <a:t>8 ключевые</a:t>
-            </a:r>
-          </a:p>
-          <a:p>
-            <a:r>
-              <a:rPr lang="ru-RU" dirty="0" smtClean="0"/>
-              <a:t>Количество аналитиков= 28/15=1,86</a:t>
-            </a:r>
-            <a:endParaRPr lang="uk-UA" dirty="0"/>
-          </a:p>
-        </p:txBody>
-      </p:sp>
-    </p:spTree>
-    <p:extLst>
-      <p:ext uri="{BB962C8B-B14F-4D97-AF65-F5344CB8AC3E}">
-        <p14:creationId xmlns:p14="http://schemas.microsoft.com/office/powerpoint/2010/main" val="1630545067"/>
-      </p:ext>
-    </p:extLst>
-  </p:cSld>
-  <p:clrMapOvr>
-    <a:masterClrMapping/>
-  </p:clrMapOvr>
-  <p:timing>
-    <p:tnLst>
-      <p:par>
-        <p:cTn id="1" dur="indefinite" restart="never" nodeType="tmRoot"/>
-      </p:par>
-    </p:tnLst>
-  </p:timing>
-</p:sld>
-</file>
-
 <file path=ppt/slides/slide7.xml><?xml version="1.0" encoding="utf-8"?>
 <p:sld xmlns:a="http://schemas.openxmlformats.org/drawingml/2006/main" xmlns:r="http://schemas.openxmlformats.org/officeDocument/2006/relationships" xmlns:p="http://schemas.openxmlformats.org/presentationml/2006/main">
   <p:cSld>
@@ -8850,14 +9148,114 @@
           <a:p>
             <a:r>
               <a:rPr lang="ru-RU" dirty="0" smtClean="0"/>
-              <a:t>Розничная торговля ЦАУ +Дирекции </a:t>
+              <a:t>ЦАУ Почтовые услуги</a:t>
             </a:r>
             <a:endParaRPr lang="uk-UA" dirty="0"/>
           </a:p>
         </p:txBody>
       </p:sp>
-      <mc:AlternateContent xmlns:mc="http://schemas.openxmlformats.org/markup-compatibility/2006">
-        <mc:Choice xmlns:a14="http://schemas.microsoft.com/office/drawing/2010/main" Requires="a14">
+      <p:sp>
+        <p:nvSpPr>
+          <p:cNvPr id="3" name="Объект 2"/>
+          <p:cNvSpPr>
+            <a:spLocks noGrp="1"/>
+          </p:cNvSpPr>
+          <p:nvPr>
+            <p:ph idx="1"/>
+          </p:nvPr>
+        </p:nvSpPr>
+        <p:spPr/>
+        <p:txBody>
+          <a:bodyPr/>
+          <a:lstStyle/>
+          <a:p>
+            <a:r>
+              <a:rPr lang="ru-RU" dirty="0" smtClean="0"/>
+              <a:t>Ключевые 8</a:t>
+            </a:r>
+          </a:p>
+          <a:p>
+            <a:r>
+              <a:rPr lang="ru-RU" dirty="0" smtClean="0"/>
+              <a:t>Обычные </a:t>
+            </a:r>
+            <a:r>
+              <a:rPr lang="ru-RU" dirty="0" smtClean="0"/>
+              <a:t>20</a:t>
+            </a:r>
+            <a:endParaRPr lang="ru-RU" dirty="0" smtClean="0"/>
+          </a:p>
+          <a:p>
+            <a:r>
+              <a:rPr lang="ru-RU" dirty="0" smtClean="0"/>
+              <a:t>Количество аналитиков= 8/15=0,53</a:t>
+            </a:r>
+            <a:endParaRPr lang="uk-UA" dirty="0"/>
+          </a:p>
+        </p:txBody>
+      </p:sp>
+    </p:spTree>
+    <p:extLst>
+      <p:ext uri="{BB962C8B-B14F-4D97-AF65-F5344CB8AC3E}">
+        <p14:creationId xmlns:p14="http://schemas.microsoft.com/office/powerpoint/2010/main" val="1630545067"/>
+      </p:ext>
+    </p:extLst>
+  </p:cSld>
+  <p:clrMapOvr>
+    <a:masterClrMapping/>
+  </p:clrMapOvr>
+  <p:timing>
+    <p:tnLst>
+      <p:par>
+        <p:cTn id="1" dur="indefinite" restart="never" nodeType="tmRoot"/>
+      </p:par>
+    </p:tnLst>
+  </p:timing>
+</p:sld>
+</file>
+
+<file path=ppt/slides/slide8.xml><?xml version="1.0" encoding="utf-8"?>
+<p:sld xmlns:a="http://schemas.openxmlformats.org/drawingml/2006/main" xmlns:r="http://schemas.openxmlformats.org/officeDocument/2006/relationships" xmlns:p="http://schemas.openxmlformats.org/presentationml/2006/main">
+  <p:cSld>
+    <p:spTree>
+      <p:nvGrpSpPr>
+        <p:cNvPr id="1" name=""/>
+        <p:cNvGrpSpPr/>
+        <p:nvPr/>
+      </p:nvGrpSpPr>
+      <p:grpSpPr>
+        <a:xfrm>
+          <a:off x="0" y="0"/>
+          <a:ext cx="0" cy="0"/>
+          <a:chOff x="0" y="0"/>
+          <a:chExt cx="0" cy="0"/>
+        </a:xfrm>
+      </p:grpSpPr>
+      <p:sp>
+        <p:nvSpPr>
+          <p:cNvPr id="2" name="Заголовок 1"/>
+          <p:cNvSpPr>
+            <a:spLocks noGrp="1"/>
+          </p:cNvSpPr>
+          <p:nvPr>
+            <p:ph type="title"/>
+          </p:nvPr>
+        </p:nvSpPr>
+        <p:spPr/>
+        <p:txBody>
+          <a:bodyPr/>
+          <a:lstStyle/>
+          <a:p>
+            <a:r>
+              <a:rPr lang="ru-RU" dirty="0" smtClean="0"/>
+              <a:t>Розничная торговля ЦАУ +Дирекции </a:t>
+            </a:r>
+            <a:endParaRPr lang="uk-UA" dirty="0"/>
+          </a:p>
+        </p:txBody>
+      </p:sp>
+      <mc:AlternateContent xmlns:mc="http://schemas.openxmlformats.org/markup-compatibility/2006" xmlns:a14="http://schemas.microsoft.com/office/drawing/2010/main">
+        <mc:Choice Requires="a14">
           <p:sp>
             <p:nvSpPr>
               <p:cNvPr id="3" name="Объект 2"/>
@@ -9005,7 +9403,7 @@
             </p:txBody>
           </p:sp>
         </mc:Choice>
-        <mc:Fallback>
+        <mc:Fallback xmlns="">
           <p:sp>
             <p:nvSpPr>
               <p:cNvPr id="3" name="Объект 2"/>
@@ -9059,7 +9457,7 @@
 </p:sld>
 </file>
 
-<file path=ppt/slides/slide8.xml><?xml version="1.0" encoding="utf-8"?>
+<file path=ppt/slides/slide9.xml><?xml version="1.0" encoding="utf-8"?>
 <p:sld xmlns:a="http://schemas.openxmlformats.org/drawingml/2006/main" xmlns:r="http://schemas.openxmlformats.org/officeDocument/2006/relationships" xmlns:p="http://schemas.openxmlformats.org/presentationml/2006/main">
   <p:cSld>
     <p:spTree>
@@ -9487,245 +9885,6 @@
     <p:extLst>
       <p:ext uri="{BB962C8B-B14F-4D97-AF65-F5344CB8AC3E}">
         <p14:creationId xmlns:p14="http://schemas.microsoft.com/office/powerpoint/2010/main" val="594886022"/>
-      </p:ext>
-    </p:extLst>
-  </p:cSld>
-  <p:clrMapOvr>
-    <a:masterClrMapping/>
-  </p:clrMapOvr>
-  <p:timing>
-    <p:tnLst>
-      <p:par>
-        <p:cTn id="1" dur="indefinite" restart="never" nodeType="tmRoot"/>
-      </p:par>
-    </p:tnLst>
-  </p:timing>
-</p:sld>
-</file>
-
-<file path=ppt/slides/slide9.xml><?xml version="1.0" encoding="utf-8"?>
-<p:sld xmlns:a="http://schemas.openxmlformats.org/drawingml/2006/main" xmlns:r="http://schemas.openxmlformats.org/officeDocument/2006/relationships" xmlns:p="http://schemas.openxmlformats.org/presentationml/2006/main">
-  <p:cSld>
-    <p:spTree>
-      <p:nvGrpSpPr>
-        <p:cNvPr id="1" name=""/>
-        <p:cNvGrpSpPr/>
-        <p:nvPr/>
-      </p:nvGrpSpPr>
-      <p:grpSpPr>
-        <a:xfrm>
-          <a:off x="0" y="0"/>
-          <a:ext cx="0" cy="0"/>
-          <a:chOff x="0" y="0"/>
-          <a:chExt cx="0" cy="0"/>
-        </a:xfrm>
-      </p:grpSpPr>
-      <p:sp>
-        <p:nvSpPr>
-          <p:cNvPr id="2" name="Заголовок 1"/>
-          <p:cNvSpPr>
-            <a:spLocks noGrp="1"/>
-          </p:cNvSpPr>
-          <p:nvPr>
-            <p:ph type="title"/>
-          </p:nvPr>
-        </p:nvSpPr>
-        <p:spPr/>
-        <p:txBody>
-          <a:bodyPr/>
-          <a:lstStyle/>
-          <a:p>
-            <a:r>
-              <a:rPr lang="ru-RU" dirty="0" smtClean="0"/>
-              <a:t>Количество аналитиков</a:t>
-            </a:r>
-            <a:endParaRPr lang="uk-UA" dirty="0"/>
-          </a:p>
-        </p:txBody>
-      </p:sp>
-      <mc:AlternateContent xmlns:mc="http://schemas.openxmlformats.org/markup-compatibility/2006">
-        <mc:Choice xmlns:a14="http://schemas.microsoft.com/office/drawing/2010/main" Requires="a14">
-          <p:sp>
-            <p:nvSpPr>
-              <p:cNvPr id="3" name="Объект 2"/>
-              <p:cNvSpPr>
-                <a:spLocks noGrp="1"/>
-              </p:cNvSpPr>
-              <p:nvPr>
-                <p:ph idx="1"/>
-              </p:nvPr>
-            </p:nvSpPr>
-            <p:spPr/>
-            <p:txBody>
-              <a:bodyPr/>
-              <a:lstStyle/>
-              <a:p>
-                <a:r>
-                  <a:rPr lang="ru-RU" dirty="0" smtClean="0"/>
-                  <a:t>Ключевые 41</a:t>
-                </a:r>
-              </a:p>
-              <a:p>
-                <a:r>
-                  <a:rPr lang="ru-RU" dirty="0" smtClean="0"/>
-                  <a:t>Обычные 126</a:t>
-                </a:r>
-              </a:p>
-              <a:p>
-                <a:r>
-                  <a:rPr lang="ru-RU" dirty="0" smtClean="0"/>
-                  <a:t>Количество аналитиков= 41/15=2,73</a:t>
-                </a:r>
-                <a:br>
-                  <a:rPr lang="ru-RU" dirty="0" smtClean="0"/>
-                </a:br>
-                <a:r>
-                  <a:rPr lang="ru-RU" dirty="0" smtClean="0"/>
-                  <a:t/>
-                </a:r>
-                <a:br>
-                  <a:rPr lang="ru-RU" dirty="0" smtClean="0"/>
-                </a:br>
-                <a14:m>
-                  <m:oMath xmlns:m="http://schemas.openxmlformats.org/officeDocument/2006/math">
-                    <m:f>
-                      <m:fPr>
-                        <m:ctrlPr>
-                          <a:rPr lang="ru-RU" i="1" smtClean="0">
-                            <a:solidFill>
-                              <a:srgbClr val="7399C6"/>
-                            </a:solidFill>
-                            <a:latin typeface="Cambria Math" panose="02040503050406030204" pitchFamily="18" charset="0"/>
-                          </a:rPr>
-                        </m:ctrlPr>
-                      </m:fPr>
-                      <m:num>
-                        <m:r>
-                          <a:rPr lang="ru-RU" i="1">
-                            <a:solidFill>
-                              <a:srgbClr val="7399C6"/>
-                            </a:solidFill>
-                            <a:latin typeface="Cambria Math" panose="02040503050406030204" pitchFamily="18" charset="0"/>
-                          </a:rPr>
-                          <m:t>∑</m:t>
-                        </m:r>
-                        <m:r>
-                          <a:rPr lang="uk-UA" b="0" i="1" smtClean="0">
-                            <a:solidFill>
-                              <a:srgbClr val="7399C6"/>
-                            </a:solidFill>
-                            <a:latin typeface="Cambria Math" panose="02040503050406030204" pitchFamily="18" charset="0"/>
-                          </a:rPr>
-                          <m:t>пользователей</m:t>
-                        </m:r>
-                        <m:r>
-                          <a:rPr lang="ru-RU" i="1">
-                            <a:solidFill>
-                              <a:srgbClr val="7399C6"/>
-                            </a:solidFill>
-                            <a:latin typeface="Cambria Math" panose="02040503050406030204" pitchFamily="18" charset="0"/>
-                          </a:rPr>
-                          <m:t> </m:t>
-                        </m:r>
-                        <m:r>
-                          <a:rPr lang="ru-RU" b="0" i="1" smtClean="0">
-                            <a:solidFill>
-                              <a:srgbClr val="7399C6"/>
-                            </a:solidFill>
-                            <a:latin typeface="Cambria Math" panose="02040503050406030204" pitchFamily="18" charset="0"/>
-                          </a:rPr>
-                          <m:t>167</m:t>
-                        </m:r>
-                      </m:num>
-                      <m:den>
-                        <m:r>
-                          <a:rPr lang="ru-RU" i="1">
-                            <a:solidFill>
-                              <a:srgbClr val="7399C6"/>
-                            </a:solidFill>
-                            <a:latin typeface="Cambria Math" panose="02040503050406030204" pitchFamily="18" charset="0"/>
-                          </a:rPr>
-                          <m:t>Аналитиков </m:t>
-                        </m:r>
-                        <m:r>
-                          <a:rPr lang="ru-RU" b="0" i="1" smtClean="0">
-                            <a:solidFill>
-                              <a:srgbClr val="7399C6"/>
-                            </a:solidFill>
-                            <a:latin typeface="Cambria Math" panose="02040503050406030204" pitchFamily="18" charset="0"/>
-                          </a:rPr>
-                          <m:t>2,73</m:t>
-                        </m:r>
-                      </m:den>
-                    </m:f>
-                    <m:r>
-                      <a:rPr lang="ru-RU" i="1">
-                        <a:solidFill>
-                          <a:srgbClr val="7399C6"/>
-                        </a:solidFill>
-                        <a:latin typeface="Cambria Math" panose="02040503050406030204" pitchFamily="18" charset="0"/>
-                        <a:ea typeface="Cambria Math" panose="02040503050406030204" pitchFamily="18" charset="0"/>
-                      </a:rPr>
-                      <m:t>=</m:t>
-                    </m:r>
-                    <m:r>
-                      <a:rPr lang="ru-RU" b="0" i="1" smtClean="0">
-                        <a:solidFill>
-                          <a:srgbClr val="7399C6"/>
-                        </a:solidFill>
-                        <a:latin typeface="Cambria Math" panose="02040503050406030204" pitchFamily="18" charset="0"/>
-                        <a:ea typeface="Cambria Math" panose="02040503050406030204" pitchFamily="18" charset="0"/>
-                      </a:rPr>
-                      <m:t>61,17</m:t>
-                    </m:r>
-                  </m:oMath>
-                </a14:m>
-                <a:endParaRPr lang="uk-UA" dirty="0"/>
-              </a:p>
-              <a:p>
-                <a:endParaRPr lang="uk-UA" dirty="0"/>
-              </a:p>
-            </p:txBody>
-          </p:sp>
-        </mc:Choice>
-        <mc:Fallback>
-          <p:sp>
-            <p:nvSpPr>
-              <p:cNvPr id="3" name="Объект 2"/>
-              <p:cNvSpPr>
-                <a:spLocks noGrp="1" noRot="1" noChangeAspect="1" noMove="1" noResize="1" noEditPoints="1" noAdjustHandles="1" noChangeArrowheads="1" noChangeShapeType="1" noTextEdit="1"/>
-              </p:cNvSpPr>
-              <p:nvPr>
-                <p:ph idx="1"/>
-              </p:nvPr>
-            </p:nvSpPr>
-            <p:spPr>
-              <a:blipFill>
-                <a:blip r:embed="rId2"/>
-                <a:stretch>
-                  <a:fillRect l="-1278" t="-1752"/>
-                </a:stretch>
-              </a:blipFill>
-            </p:spPr>
-            <p:txBody>
-              <a:bodyPr/>
-              <a:lstStyle/>
-              <a:p>
-                <a:r>
-                  <a:rPr lang="uk-UA">
-                    <a:noFill/>
-                  </a:rPr>
-                  <a:t> </a:t>
-                </a:r>
-              </a:p>
-            </p:txBody>
-          </p:sp>
-        </mc:Fallback>
-      </mc:AlternateContent>
-    </p:spTree>
-    <p:extLst>
-      <p:ext uri="{BB962C8B-B14F-4D97-AF65-F5344CB8AC3E}">
-        <p14:creationId xmlns:p14="http://schemas.microsoft.com/office/powerpoint/2010/main" val="2481096286"/>
       </p:ext>
     </p:extLst>
   </p:cSld>
